--- a/Presentazione-Progetto data tecnology e machine learning.pptx
+++ b/Presentazione-Progetto data tecnology e machine learning.pptx
@@ -137,6 +137,10 @@
 </p:presentation>
 </file>
 
+<file path=ppt/revisionInfo.xml><?xml version="1.0" encoding="utf-8"?>
+<p1510:revInfo xmlns:a="http://schemas.openxmlformats.org/drawingml/2006/main" xmlns:r="http://schemas.openxmlformats.org/officeDocument/2006/relationships" xmlns:p1510="http://schemas.microsoft.com/office/powerpoint/2015/10/main"/>
+</file>
+
 <file path=ppt/notesMasters/notesMaster1.xml><?xml version="1.0" encoding="utf-8"?>
 <p:notesMaster xmlns:a="http://schemas.openxmlformats.org/drawingml/2006/main" xmlns:r="http://schemas.openxmlformats.org/officeDocument/2006/relationships" xmlns:p="http://schemas.openxmlformats.org/presentationml/2006/main">
   <p:cSld>
@@ -219,7 +223,7 @@
           <a:p>
             <a:fld id="{131E1167-D79C-49FF-B40C-8CD8C4B27BD5}" type="datetimeFigureOut">
               <a:rPr lang="it-IT" smtClean="0"/>
-              <a:t>17/06/2018</a:t>
+              <a:t>18/06/2018</a:t>
             </a:fld>
             <a:endParaRPr lang="it-IT"/>
           </a:p>
@@ -959,7 +963,7 @@
           <a:p>
             <a:fld id="{A76EB9D5-7E1A-4433-8B21-2237CC26FA2C}" type="datetimeFigureOut">
               <a:rPr lang="en-US" dirty="0"/>
-              <a:t>6/17/2018</a:t>
+              <a:t>6/18/2018</a:t>
             </a:fld>
             <a:endParaRPr lang="en-US" dirty="0"/>
           </a:p>
@@ -1157,7 +1161,7 @@
           <a:p>
             <a:fld id="{62598A19-B9D6-4696-A74D-9FEF900C8B6A}" type="datetimeFigureOut">
               <a:rPr lang="en-US" dirty="0"/>
-              <a:t>6/17/2018</a:t>
+              <a:t>6/18/2018</a:t>
             </a:fld>
             <a:endParaRPr lang="en-US" dirty="0"/>
           </a:p>
@@ -1332,7 +1336,7 @@
           <a:p>
             <a:fld id="{9A205100-39B0-4914-BBD6-34F267582565}" type="datetimeFigureOut">
               <a:rPr lang="en-US" dirty="0"/>
-              <a:t>6/17/2018</a:t>
+              <a:t>6/18/2018</a:t>
             </a:fld>
             <a:endParaRPr lang="en-US" dirty="0"/>
           </a:p>
@@ -1497,7 +1501,7 @@
           <a:p>
             <a:fld id="{539EF837-FEDB-44F2-8FB5-4F56FC548A33}" type="datetimeFigureOut">
               <a:rPr lang="en-US" dirty="0"/>
-              <a:t>6/17/2018</a:t>
+              <a:t>6/18/2018</a:t>
             </a:fld>
             <a:endParaRPr lang="en-US" dirty="0"/>
           </a:p>
@@ -2072,7 +2076,7 @@
           <a:p>
             <a:fld id="{4EC2AB55-62C0-407E-B706-C907B44B0BFC}" type="datetimeFigureOut">
               <a:rPr lang="en-US" dirty="0"/>
-              <a:t>6/17/2018</a:t>
+              <a:t>6/18/2018</a:t>
             </a:fld>
             <a:endParaRPr lang="en-US" dirty="0"/>
           </a:p>
@@ -2369,7 +2373,7 @@
           <a:p>
             <a:fld id="{69FBB33F-FEF5-4E73-A5F9-307689FE77C6}" type="datetimeFigureOut">
               <a:rPr lang="en-US" dirty="0"/>
-              <a:t>6/17/2018</a:t>
+              <a:t>6/18/2018</a:t>
             </a:fld>
             <a:endParaRPr lang="en-US" dirty="0"/>
           </a:p>
@@ -2801,7 +2805,7 @@
           <a:p>
             <a:fld id="{A64B5FA4-F0B8-4D71-BC92-932E3A1502F8}" type="datetimeFigureOut">
               <a:rPr lang="en-US" dirty="0"/>
-              <a:t>6/17/2018</a:t>
+              <a:t>6/18/2018</a:t>
             </a:fld>
             <a:endParaRPr lang="en-US" dirty="0"/>
           </a:p>
@@ -2914,7 +2918,7 @@
           <a:p>
             <a:fld id="{4FD89F80-C2CE-4D6A-80E4-D3515AD92BC6}" type="datetimeFigureOut">
               <a:rPr lang="en-US" dirty="0"/>
-              <a:t>6/17/2018</a:t>
+              <a:t>6/18/2018</a:t>
             </a:fld>
             <a:endParaRPr lang="en-US" dirty="0"/>
           </a:p>
@@ -3004,7 +3008,7 @@
           <a:p>
             <a:fld id="{03E4220E-EF40-477E-B84C-637FC7CE78DB}" type="datetimeFigureOut">
               <a:rPr lang="en-US" dirty="0"/>
-              <a:t>6/17/2018</a:t>
+              <a:t>6/18/2018</a:t>
             </a:fld>
             <a:endParaRPr lang="en-US" dirty="0"/>
           </a:p>
@@ -3343,7 +3347,7 @@
           <a:p>
             <a:fld id="{FD0B8D63-E026-4E54-B301-C824E1BD14F3}" type="datetimeFigureOut">
               <a:rPr lang="en-US" dirty="0"/>
-              <a:t>6/17/2018</a:t>
+              <a:t>6/18/2018</a:t>
             </a:fld>
             <a:endParaRPr lang="en-US" dirty="0"/>
           </a:p>
@@ -3728,7 +3732,7 @@
           <a:p>
             <a:fld id="{6C423185-9573-406A-8068-0AB4F2335019}" type="datetimeFigureOut">
               <a:rPr lang="en-US" dirty="0"/>
-              <a:t>6/17/2018</a:t>
+              <a:t>6/18/2018</a:t>
             </a:fld>
             <a:endParaRPr lang="en-US" dirty="0"/>
           </a:p>
@@ -4032,7 +4036,7 @@
           <a:p>
             <a:fld id="{6C5516DA-9D86-4E1E-A623-C11F9F74EB59}" type="datetimeFigureOut">
               <a:rPr lang="en-US" dirty="0"/>
-              <a:t>6/17/2018</a:t>
+              <a:t>6/18/2018</a:t>
             </a:fld>
             <a:endParaRPr lang="en-US" dirty="0"/>
           </a:p>
@@ -5358,15 +5362,7 @@
           <a:p>
             <a:r>
               <a:rPr lang="it-IT" dirty="0"/>
-              <a:t>L’ambito entro cui si colloca il progetto </a:t>
-            </a:r>
-            <a:r>
-              <a:rPr lang="it-IT" dirty="0" err="1"/>
-              <a:t>rifuarda</a:t>
-            </a:r>
-            <a:r>
-              <a:rPr lang="it-IT" dirty="0"/>
-              <a:t> una delle feature fondamentali e trainanti dei videogiochi della serie di successo, </a:t>
+              <a:t>L’ambito entro cui si colloca il progetto riguarda una delle feature fondamentali e trainanti dei videogiochi della serie di successo, </a:t>
             </a:r>
             <a:r>
               <a:rPr lang="it-IT" dirty="0" err="1"/>
@@ -5378,11 +5374,19 @@
             </a:r>
             <a:r>
               <a:rPr lang="it-IT" dirty="0" err="1"/>
-              <a:t>Batlles</a:t>
+              <a:t>Battles</a:t>
             </a:r>
             <a:r>
               <a:rPr lang="it-IT" dirty="0"/>
-              <a:t> si basano sulle loro statistiche delle varie creature che sono: </a:t>
+              <a:t> si basano </a:t>
+            </a:r>
+            <a:r>
+              <a:rPr lang="it-IT" dirty="0" err="1"/>
+              <a:t>principalemente</a:t>
+            </a:r>
+            <a:r>
+              <a:rPr lang="it-IT" dirty="0"/>
+              <a:t> su alcune delle loro statistiche tra cui: </a:t>
             </a:r>
           </a:p>
           <a:p>
@@ -6712,7 +6716,7 @@
         </p:nvGraphicFramePr>
         <p:xfrm>
           <a:off x="3741420" y="3581400"/>
-          <a:ext cx="2354580" cy="2433003"/>
+          <a:ext cx="2354580" cy="2511112"/>
         </p:xfrm>
         <a:graphic>
           <a:graphicData uri="http://schemas.openxmlformats.org/drawingml/2006/table">
